--- a/scales/icons.pptx
+++ b/scales/icons.pptx
@@ -5,10 +5,12 @@
     <p:sldMasterId id="2147483661" r:id="rId1"/>
   </p:sldMasterIdLst>
   <p:notesMasterIdLst>
-    <p:notesMasterId r:id="rId3"/>
+    <p:notesMasterId r:id="rId5"/>
   </p:notesMasterIdLst>
   <p:sldIdLst>
     <p:sldId id="301" r:id="rId2"/>
+    <p:sldId id="302" r:id="rId3"/>
+    <p:sldId id="304" r:id="rId4"/>
   </p:sldIdLst>
   <p:sldSz cx="10080625" cy="6300788"/>
   <p:notesSz cx="7559675" cy="10691813"/>
@@ -475,6 +477,94 @@
     </a:lvl9pPr>
   </p:notesStyle>
 </p:notesMaster>
+</file>
+
+<file path=ppt/notesSlides/notesSlide1.xml><?xml version="1.0" encoding="utf-8"?>
+<p:notes xmlns:a="http://schemas.openxmlformats.org/drawingml/2006/main" xmlns:r="http://schemas.openxmlformats.org/officeDocument/2006/relationships" xmlns:p="http://schemas.openxmlformats.org/presentationml/2006/main">
+  <p:cSld>
+    <p:spTree>
+      <p:nvGrpSpPr>
+        <p:cNvPr id="1" name=""/>
+        <p:cNvGrpSpPr/>
+        <p:nvPr/>
+      </p:nvGrpSpPr>
+      <p:grpSpPr>
+        <a:xfrm>
+          <a:off x="0" y="0"/>
+          <a:ext cx="0" cy="0"/>
+          <a:chOff x="0" y="0"/>
+          <a:chExt cx="0" cy="0"/>
+        </a:xfrm>
+      </p:grpSpPr>
+      <p:sp>
+        <p:nvSpPr>
+          <p:cNvPr id="2" name="Slide Image Placeholder 1"/>
+          <p:cNvSpPr>
+            <a:spLocks noGrp="1" noRot="1" noChangeAspect="1"/>
+          </p:cNvSpPr>
+          <p:nvPr>
+            <p:ph type="sldImg"/>
+          </p:nvPr>
+        </p:nvSpPr>
+        <p:spPr/>
+      </p:sp>
+      <p:sp>
+        <p:nvSpPr>
+          <p:cNvPr id="3" name="Notes Placeholder 2"/>
+          <p:cNvSpPr>
+            <a:spLocks noGrp="1"/>
+          </p:cNvSpPr>
+          <p:nvPr>
+            <p:ph type="body" idx="1"/>
+          </p:nvPr>
+        </p:nvSpPr>
+        <p:spPr/>
+        <p:txBody>
+          <a:bodyPr/>
+          <a:lstStyle/>
+          <a:p>
+            <a:r>
+              <a:rPr lang="en-US"/>
+              <a:t>Use intersect with square and background</a:t>
+            </a:r>
+            <a:endParaRPr lang="en-DE"/>
+          </a:p>
+        </p:txBody>
+      </p:sp>
+      <p:sp>
+        <p:nvSpPr>
+          <p:cNvPr id="4" name="Slide Number Placeholder 3"/>
+          <p:cNvSpPr>
+            <a:spLocks noGrp="1"/>
+          </p:cNvSpPr>
+          <p:nvPr>
+            <p:ph type="sldNum" sz="quarter" idx="5"/>
+          </p:nvPr>
+        </p:nvSpPr>
+        <p:spPr/>
+        <p:txBody>
+          <a:bodyPr/>
+          <a:lstStyle/>
+          <a:p>
+            <a:fld id="{0B0417A2-114C-414E-A918-AFA421C91928}" type="slidenum">
+              <a:rPr lang="en-DE" smtClean="0"/>
+              <a:t>3</a:t>
+            </a:fld>
+            <a:endParaRPr lang="en-DE"/>
+          </a:p>
+        </p:txBody>
+      </p:sp>
+    </p:spTree>
+    <p:extLst>
+      <p:ext uri="{BB962C8B-B14F-4D97-AF65-F5344CB8AC3E}">
+        <p14:creationId xmlns:p14="http://schemas.microsoft.com/office/powerpoint/2010/main" val="2722844571"/>
+      </p:ext>
+    </p:extLst>
+  </p:cSld>
+  <p:clrMapOvr>
+    <a:masterClrMapping/>
+  </p:clrMapOvr>
+</p:notes>
 </file>
 
 <file path=ppt/slideLayouts/slideLayout1.xml><?xml version="1.0" encoding="utf-8"?>
@@ -3872,10 +3962,385 @@
           </a:p>
         </p:txBody>
       </p:sp>
+      <p:pic>
+        <p:nvPicPr>
+          <p:cNvPr id="2" name="Picture 1">
+            <a:extLst>
+              <a:ext uri="{FF2B5EF4-FFF2-40B4-BE49-F238E27FC236}">
+                <a16:creationId xmlns:a16="http://schemas.microsoft.com/office/drawing/2014/main" id="{85CF69DF-2C29-6EDD-7175-C890A63368CE}"/>
+              </a:ext>
+            </a:extLst>
+          </p:cNvPr>
+          <p:cNvPicPr>
+            <a:picLocks noChangeAspect="1"/>
+          </p:cNvPicPr>
+          <p:nvPr/>
+        </p:nvPicPr>
+        <p:blipFill>
+          <a:blip r:embed="rId2">
+            <a:duotone>
+              <a:schemeClr val="accent3">
+                <a:shade val="45000"/>
+                <a:satMod val="135000"/>
+              </a:schemeClr>
+              <a:prstClr val="white"/>
+            </a:duotone>
+            <a:extLst>
+              <a:ext uri="{28A0092B-C50C-407E-A947-70E740481C1C}">
+                <a14:useLocalDpi xmlns:a14="http://schemas.microsoft.com/office/drawing/2010/main"/>
+              </a:ext>
+            </a:extLst>
+          </a:blip>
+          <a:srcRect/>
+          <a:stretch>
+            <a:fillRect/>
+          </a:stretch>
+        </p:blipFill>
+        <p:spPr>
+          <a:xfrm>
+            <a:off x="2681569" y="407941"/>
+            <a:ext cx="2160000" cy="2160000"/>
+          </a:xfrm>
+          <a:custGeom>
+            <a:avLst/>
+            <a:gdLst>
+              <a:gd name="connsiteX0" fmla="*/ 0 w 2160000"/>
+              <a:gd name="connsiteY0" fmla="*/ 0 h 2160000"/>
+              <a:gd name="connsiteX1" fmla="*/ 2160000 w 2160000"/>
+              <a:gd name="connsiteY1" fmla="*/ 0 h 2160000"/>
+              <a:gd name="connsiteX2" fmla="*/ 2160000 w 2160000"/>
+              <a:gd name="connsiteY2" fmla="*/ 2160000 h 2160000"/>
+              <a:gd name="connsiteX3" fmla="*/ 0 w 2160000"/>
+              <a:gd name="connsiteY3" fmla="*/ 2160000 h 2160000"/>
+            </a:gdLst>
+            <a:ahLst/>
+            <a:cxnLst>
+              <a:cxn ang="0">
+                <a:pos x="connsiteX0" y="connsiteY0"/>
+              </a:cxn>
+              <a:cxn ang="0">
+                <a:pos x="connsiteX1" y="connsiteY1"/>
+              </a:cxn>
+              <a:cxn ang="0">
+                <a:pos x="connsiteX2" y="connsiteY2"/>
+              </a:cxn>
+              <a:cxn ang="0">
+                <a:pos x="connsiteX3" y="connsiteY3"/>
+              </a:cxn>
+            </a:cxnLst>
+            <a:rect l="l" t="t" r="r" b="b"/>
+            <a:pathLst>
+              <a:path w="2160000" h="2160000">
+                <a:moveTo>
+                  <a:pt x="0" y="0"/>
+                </a:moveTo>
+                <a:lnTo>
+                  <a:pt x="2160000" y="0"/>
+                </a:lnTo>
+                <a:lnTo>
+                  <a:pt x="2160000" y="2160000"/>
+                </a:lnTo>
+                <a:lnTo>
+                  <a:pt x="0" y="2160000"/>
+                </a:lnTo>
+                <a:close/>
+              </a:path>
+            </a:pathLst>
+          </a:custGeom>
+          <a:solidFill>
+            <a:schemeClr val="accent1"/>
+          </a:solidFill>
+          <a:ln>
+            <a:noFill/>
+          </a:ln>
+        </p:spPr>
+      </p:pic>
+      <p:sp>
+        <p:nvSpPr>
+          <p:cNvPr id="3" name="Rectangle 2">
+            <a:extLst>
+              <a:ext uri="{FF2B5EF4-FFF2-40B4-BE49-F238E27FC236}">
+                <a16:creationId xmlns:a16="http://schemas.microsoft.com/office/drawing/2014/main" id="{022F6606-50C7-2858-D17F-DD779FBA8D7C}"/>
+              </a:ext>
+            </a:extLst>
+          </p:cNvPr>
+          <p:cNvSpPr/>
+          <p:nvPr/>
+        </p:nvSpPr>
+        <p:spPr>
+          <a:xfrm>
+            <a:off x="2681569" y="407941"/>
+            <a:ext cx="2160000" cy="2160000"/>
+          </a:xfrm>
+          <a:prstGeom prst="rect">
+            <a:avLst/>
+          </a:prstGeom>
+          <a:noFill/>
+          <a:ln>
+            <a:noFill/>
+          </a:ln>
+        </p:spPr>
+        <p:style>
+          <a:lnRef idx="2">
+            <a:schemeClr val="accent1">
+              <a:shade val="15000"/>
+            </a:schemeClr>
+          </a:lnRef>
+          <a:fillRef idx="1">
+            <a:schemeClr val="accent1"/>
+          </a:fillRef>
+          <a:effectRef idx="0">
+            <a:schemeClr val="accent1"/>
+          </a:effectRef>
+          <a:fontRef idx="minor">
+            <a:schemeClr val="lt1"/>
+          </a:fontRef>
+        </p:style>
+        <p:txBody>
+          <a:bodyPr rtlCol="0" anchor="ctr"/>
+          <a:lstStyle/>
+          <a:p>
+            <a:pPr algn="ctr"/>
+            <a:r>
+              <a:rPr lang="en-US" sz="3200">
+                <a:latin typeface="Source Sans Pro SemiBold" panose="020B0603030403020204" pitchFamily="34" charset="0"/>
+                <a:ea typeface="Source Sans Pro SemiBold" panose="020B0603030403020204" pitchFamily="34" charset="0"/>
+              </a:rPr>
+              <a:t>AEQ-S</a:t>
+            </a:r>
+            <a:endParaRPr lang="en-DE" sz="3200">
+              <a:latin typeface="Source Sans Pro SemiBold" panose="020B0603030403020204" pitchFamily="34" charset="0"/>
+              <a:ea typeface="Source Sans Pro SemiBold" panose="020B0603030403020204" pitchFamily="34" charset="0"/>
+            </a:endParaRPr>
+          </a:p>
+        </p:txBody>
+      </p:sp>
     </p:spTree>
     <p:extLst>
       <p:ext uri="{BB962C8B-B14F-4D97-AF65-F5344CB8AC3E}">
         <p14:creationId xmlns:p14="http://schemas.microsoft.com/office/powerpoint/2010/main" val="47261602"/>
+      </p:ext>
+    </p:extLst>
+  </p:cSld>
+  <p:clrMapOvr>
+    <a:masterClrMapping/>
+  </p:clrMapOvr>
+</p:sld>
+</file>
+
+<file path=ppt/slides/slide2.xml><?xml version="1.0" encoding="utf-8"?>
+<p:sld xmlns:a="http://schemas.openxmlformats.org/drawingml/2006/main" xmlns:r="http://schemas.openxmlformats.org/officeDocument/2006/relationships" xmlns:p="http://schemas.openxmlformats.org/presentationml/2006/main">
+  <p:cSld>
+    <p:spTree>
+      <p:nvGrpSpPr>
+        <p:cNvPr id="1" name=""/>
+        <p:cNvGrpSpPr/>
+        <p:nvPr/>
+      </p:nvGrpSpPr>
+      <p:grpSpPr>
+        <a:xfrm>
+          <a:off x="0" y="0"/>
+          <a:ext cx="0" cy="0"/>
+          <a:chOff x="0" y="0"/>
+          <a:chExt cx="0" cy="0"/>
+        </a:xfrm>
+      </p:grpSpPr>
+      <p:pic>
+        <p:nvPicPr>
+          <p:cNvPr id="3" name="Picture 2">
+            <a:extLst>
+              <a:ext uri="{FF2B5EF4-FFF2-40B4-BE49-F238E27FC236}">
+                <a16:creationId xmlns:a16="http://schemas.microsoft.com/office/drawing/2014/main" id="{CEEF4EDA-55C7-4521-58D4-2E646AE4FBA0}"/>
+              </a:ext>
+            </a:extLst>
+          </p:cNvPr>
+          <p:cNvPicPr>
+            <a:picLocks noChangeAspect="1"/>
+          </p:cNvPicPr>
+          <p:nvPr/>
+        </p:nvPicPr>
+        <p:blipFill>
+          <a:blip r:embed="rId2"/>
+          <a:stretch>
+            <a:fillRect/>
+          </a:stretch>
+        </p:blipFill>
+        <p:spPr>
+          <a:xfrm>
+            <a:off x="1889918" y="0"/>
+            <a:ext cx="6300788" cy="6300788"/>
+          </a:xfrm>
+          <a:prstGeom prst="rect">
+            <a:avLst/>
+          </a:prstGeom>
+        </p:spPr>
+      </p:pic>
+    </p:spTree>
+    <p:extLst>
+      <p:ext uri="{BB962C8B-B14F-4D97-AF65-F5344CB8AC3E}">
+        <p14:creationId xmlns:p14="http://schemas.microsoft.com/office/powerpoint/2010/main" val="1998321197"/>
+      </p:ext>
+    </p:extLst>
+  </p:cSld>
+  <p:clrMapOvr>
+    <a:masterClrMapping/>
+  </p:clrMapOvr>
+</p:sld>
+</file>
+
+<file path=ppt/slides/slide3.xml><?xml version="1.0" encoding="utf-8"?>
+<p:sld xmlns:a="http://schemas.openxmlformats.org/drawingml/2006/main" xmlns:r="http://schemas.openxmlformats.org/officeDocument/2006/relationships" xmlns:p="http://schemas.openxmlformats.org/presentationml/2006/main">
+  <p:cSld>
+    <p:spTree>
+      <p:nvGrpSpPr>
+        <p:cNvPr id="1" name=""/>
+        <p:cNvGrpSpPr/>
+        <p:nvPr/>
+      </p:nvGrpSpPr>
+      <p:grpSpPr>
+        <a:xfrm>
+          <a:off x="0" y="0"/>
+          <a:ext cx="0" cy="0"/>
+          <a:chOff x="0" y="0"/>
+          <a:chExt cx="0" cy="0"/>
+        </a:xfrm>
+      </p:grpSpPr>
+      <p:pic>
+        <p:nvPicPr>
+          <p:cNvPr id="6" name="Picture 5">
+            <a:extLst>
+              <a:ext uri="{FF2B5EF4-FFF2-40B4-BE49-F238E27FC236}">
+                <a16:creationId xmlns:a16="http://schemas.microsoft.com/office/drawing/2014/main" id="{31F0AA22-2EBA-71B8-FF7D-410ECCF20D3B}"/>
+              </a:ext>
+            </a:extLst>
+          </p:cNvPr>
+          <p:cNvPicPr>
+            <a:picLocks noChangeAspect="1"/>
+          </p:cNvPicPr>
+          <p:nvPr/>
+        </p:nvPicPr>
+        <p:blipFill>
+          <a:blip r:embed="rId3"/>
+          <a:srcRect l="10677" t="1269" r="55041" b="64450"/>
+          <a:stretch>
+            <a:fillRect/>
+          </a:stretch>
+        </p:blipFill>
+        <p:spPr>
+          <a:xfrm>
+            <a:off x="2562665" y="79933"/>
+            <a:ext cx="2160000" cy="2160000"/>
+          </a:xfrm>
+          <a:custGeom>
+            <a:avLst/>
+            <a:gdLst>
+              <a:gd name="connsiteX0" fmla="*/ 0 w 2160000"/>
+              <a:gd name="connsiteY0" fmla="*/ 0 h 2160000"/>
+              <a:gd name="connsiteX1" fmla="*/ 2160000 w 2160000"/>
+              <a:gd name="connsiteY1" fmla="*/ 0 h 2160000"/>
+              <a:gd name="connsiteX2" fmla="*/ 2160000 w 2160000"/>
+              <a:gd name="connsiteY2" fmla="*/ 2160000 h 2160000"/>
+              <a:gd name="connsiteX3" fmla="*/ 0 w 2160000"/>
+              <a:gd name="connsiteY3" fmla="*/ 2160000 h 2160000"/>
+            </a:gdLst>
+            <a:ahLst/>
+            <a:cxnLst>
+              <a:cxn ang="0">
+                <a:pos x="connsiteX0" y="connsiteY0"/>
+              </a:cxn>
+              <a:cxn ang="0">
+                <a:pos x="connsiteX1" y="connsiteY1"/>
+              </a:cxn>
+              <a:cxn ang="0">
+                <a:pos x="connsiteX2" y="connsiteY2"/>
+              </a:cxn>
+              <a:cxn ang="0">
+                <a:pos x="connsiteX3" y="connsiteY3"/>
+              </a:cxn>
+            </a:cxnLst>
+            <a:rect l="l" t="t" r="r" b="b"/>
+            <a:pathLst>
+              <a:path w="2160000" h="2160000">
+                <a:moveTo>
+                  <a:pt x="0" y="0"/>
+                </a:moveTo>
+                <a:lnTo>
+                  <a:pt x="2160000" y="0"/>
+                </a:lnTo>
+                <a:lnTo>
+                  <a:pt x="2160000" y="2160000"/>
+                </a:lnTo>
+                <a:lnTo>
+                  <a:pt x="0" y="2160000"/>
+                </a:lnTo>
+                <a:close/>
+              </a:path>
+            </a:pathLst>
+          </a:custGeom>
+          <a:solidFill>
+            <a:schemeClr val="accent1"/>
+          </a:solidFill>
+          <a:ln>
+            <a:noFill/>
+          </a:ln>
+        </p:spPr>
+      </p:pic>
+      <p:sp>
+        <p:nvSpPr>
+          <p:cNvPr id="4" name="Rectangle 3">
+            <a:extLst>
+              <a:ext uri="{FF2B5EF4-FFF2-40B4-BE49-F238E27FC236}">
+                <a16:creationId xmlns:a16="http://schemas.microsoft.com/office/drawing/2014/main" id="{28A3C23A-028A-63C9-36CE-942E7BD7C98A}"/>
+              </a:ext>
+            </a:extLst>
+          </p:cNvPr>
+          <p:cNvSpPr/>
+          <p:nvPr/>
+        </p:nvSpPr>
+        <p:spPr>
+          <a:xfrm>
+            <a:off x="8591990" y="1159933"/>
+            <a:ext cx="2160000" cy="2160000"/>
+          </a:xfrm>
+          <a:prstGeom prst="rect">
+            <a:avLst/>
+          </a:prstGeom>
+          <a:solidFill>
+            <a:schemeClr val="accent1"/>
+          </a:solidFill>
+          <a:ln>
+            <a:noFill/>
+          </a:ln>
+        </p:spPr>
+        <p:style>
+          <a:lnRef idx="2">
+            <a:schemeClr val="accent1">
+              <a:shade val="15000"/>
+            </a:schemeClr>
+          </a:lnRef>
+          <a:fillRef idx="1">
+            <a:schemeClr val="accent1"/>
+          </a:fillRef>
+          <a:effectRef idx="0">
+            <a:schemeClr val="accent1"/>
+          </a:effectRef>
+          <a:fontRef idx="minor">
+            <a:schemeClr val="lt1"/>
+          </a:fontRef>
+        </p:style>
+        <p:txBody>
+          <a:bodyPr rtlCol="0" anchor="ctr"/>
+          <a:lstStyle/>
+          <a:p>
+            <a:pPr algn="ctr"/>
+            <a:endParaRPr lang="en-DE"/>
+          </a:p>
+        </p:txBody>
+      </p:sp>
+    </p:spTree>
+    <p:extLst>
+      <p:ext uri="{BB962C8B-B14F-4D97-AF65-F5344CB8AC3E}">
+        <p14:creationId xmlns:p14="http://schemas.microsoft.com/office/powerpoint/2010/main" val="2218288073"/>
       </p:ext>
     </p:extLst>
   </p:cSld>

--- a/scales/icons.pptx
+++ b/scales/icons.pptx
@@ -3904,64 +3904,6 @@
           <a:chExt cx="0" cy="0"/>
         </a:xfrm>
       </p:grpSpPr>
-      <p:sp>
-        <p:nvSpPr>
-          <p:cNvPr id="4" name="Rectangle 3">
-            <a:extLst>
-              <a:ext uri="{FF2B5EF4-FFF2-40B4-BE49-F238E27FC236}">
-                <a16:creationId xmlns:a16="http://schemas.microsoft.com/office/drawing/2014/main" id="{DE5DC7BE-3E08-BC13-F61E-45207E14B818}"/>
-              </a:ext>
-            </a:extLst>
-          </p:cNvPr>
-          <p:cNvSpPr/>
-          <p:nvPr/>
-        </p:nvSpPr>
-        <p:spPr>
-          <a:xfrm>
-            <a:off x="581339" y="654008"/>
-            <a:ext cx="1800000" cy="1800000"/>
-          </a:xfrm>
-          <a:prstGeom prst="rect">
-            <a:avLst/>
-          </a:prstGeom>
-          <a:solidFill>
-            <a:schemeClr val="accent3">
-              <a:lumMod val="60000"/>
-              <a:lumOff val="40000"/>
-            </a:schemeClr>
-          </a:solidFill>
-          <a:ln>
-            <a:noFill/>
-          </a:ln>
-        </p:spPr>
-        <p:style>
-          <a:lnRef idx="2">
-            <a:schemeClr val="accent1">
-              <a:shade val="15000"/>
-            </a:schemeClr>
-          </a:lnRef>
-          <a:fillRef idx="1">
-            <a:schemeClr val="accent1"/>
-          </a:fillRef>
-          <a:effectRef idx="0">
-            <a:schemeClr val="accent1"/>
-          </a:effectRef>
-          <a:fontRef idx="minor">
-            <a:schemeClr val="lt1"/>
-          </a:fontRef>
-        </p:style>
-        <p:txBody>
-          <a:bodyPr rtlCol="0" anchor="ctr"/>
-          <a:lstStyle/>
-          <a:p>
-            <a:pPr algn="ctr"/>
-            <a:r>
-              <a:rPr lang="en-US" sz="2800" b="1"/>
-              <a:t>AEQ-S</a:t>
-            </a:r>
-          </a:p>
-        </p:txBody>
-      </p:sp>
       <p:pic>
         <p:nvPicPr>
           <p:cNvPr id="2" name="Picture 1">
@@ -3998,7 +3940,7 @@
         </p:blipFill>
         <p:spPr>
           <a:xfrm>
-            <a:off x="2681569" y="407941"/>
+            <a:off x="352707" y="281735"/>
             <a:ext cx="2160000" cy="2160000"/>
           </a:xfrm>
           <a:custGeom>
@@ -4069,7 +4011,7 @@
         </p:nvSpPr>
         <p:spPr>
           <a:xfrm>
-            <a:off x="2681569" y="407941"/>
+            <a:off x="352707" y="281735"/>
             <a:ext cx="2160000" cy="2160000"/>
           </a:xfrm>
           <a:prstGeom prst="rect">
@@ -4107,6 +4049,153 @@
                 <a:ea typeface="Source Sans Pro SemiBold" panose="020B0603030403020204" pitchFamily="34" charset="0"/>
               </a:rPr>
               <a:t>AEQ-S</a:t>
+            </a:r>
+            <a:endParaRPr lang="en-DE" sz="3200">
+              <a:latin typeface="Source Sans Pro SemiBold" panose="020B0603030403020204" pitchFamily="34" charset="0"/>
+              <a:ea typeface="Source Sans Pro SemiBold" panose="020B0603030403020204" pitchFamily="34" charset="0"/>
+            </a:endParaRPr>
+          </a:p>
+        </p:txBody>
+      </p:sp>
+      <p:pic>
+        <p:nvPicPr>
+          <p:cNvPr id="5" name="Picture 4">
+            <a:extLst>
+              <a:ext uri="{FF2B5EF4-FFF2-40B4-BE49-F238E27FC236}">
+                <a16:creationId xmlns:a16="http://schemas.microsoft.com/office/drawing/2014/main" id="{46921151-1556-1608-5801-8DE835D90E3C}"/>
+              </a:ext>
+            </a:extLst>
+          </p:cNvPr>
+          <p:cNvPicPr>
+            <a:picLocks noChangeAspect="1"/>
+          </p:cNvPicPr>
+          <p:nvPr/>
+        </p:nvPicPr>
+        <p:blipFill>
+          <a:blip r:embed="rId3">
+            <a:duotone>
+              <a:schemeClr val="accent1">
+                <a:shade val="45000"/>
+                <a:satMod val="135000"/>
+              </a:schemeClr>
+              <a:prstClr val="white"/>
+            </a:duotone>
+            <a:extLst>
+              <a:ext uri="{28A0092B-C50C-407E-A947-70E740481C1C}">
+                <a14:useLocalDpi xmlns:a14="http://schemas.microsoft.com/office/drawing/2010/main"/>
+              </a:ext>
+            </a:extLst>
+          </a:blip>
+          <a:srcRect/>
+          <a:stretch>
+            <a:fillRect/>
+          </a:stretch>
+        </p:blipFill>
+        <p:spPr>
+          <a:xfrm>
+            <a:off x="2924615" y="281735"/>
+            <a:ext cx="2160000" cy="2160000"/>
+          </a:xfrm>
+          <a:custGeom>
+            <a:avLst/>
+            <a:gdLst>
+              <a:gd name="connsiteX0" fmla="*/ 0 w 2160000"/>
+              <a:gd name="connsiteY0" fmla="*/ 0 h 2160000"/>
+              <a:gd name="connsiteX1" fmla="*/ 2160000 w 2160000"/>
+              <a:gd name="connsiteY1" fmla="*/ 0 h 2160000"/>
+              <a:gd name="connsiteX2" fmla="*/ 2160000 w 2160000"/>
+              <a:gd name="connsiteY2" fmla="*/ 2160000 h 2160000"/>
+              <a:gd name="connsiteX3" fmla="*/ 0 w 2160000"/>
+              <a:gd name="connsiteY3" fmla="*/ 2160000 h 2160000"/>
+            </a:gdLst>
+            <a:ahLst/>
+            <a:cxnLst>
+              <a:cxn ang="0">
+                <a:pos x="connsiteX0" y="connsiteY0"/>
+              </a:cxn>
+              <a:cxn ang="0">
+                <a:pos x="connsiteX1" y="connsiteY1"/>
+              </a:cxn>
+              <a:cxn ang="0">
+                <a:pos x="connsiteX2" y="connsiteY2"/>
+              </a:cxn>
+              <a:cxn ang="0">
+                <a:pos x="connsiteX3" y="connsiteY3"/>
+              </a:cxn>
+            </a:cxnLst>
+            <a:rect l="l" t="t" r="r" b="b"/>
+            <a:pathLst>
+              <a:path w="2160000" h="2160000">
+                <a:moveTo>
+                  <a:pt x="0" y="0"/>
+                </a:moveTo>
+                <a:lnTo>
+                  <a:pt x="2160000" y="0"/>
+                </a:lnTo>
+                <a:lnTo>
+                  <a:pt x="2160000" y="2160000"/>
+                </a:lnTo>
+                <a:lnTo>
+                  <a:pt x="0" y="2160000"/>
+                </a:lnTo>
+                <a:close/>
+              </a:path>
+            </a:pathLst>
+          </a:custGeom>
+        </p:spPr>
+      </p:pic>
+      <p:sp>
+        <p:nvSpPr>
+          <p:cNvPr id="6" name="Rectangle 5">
+            <a:extLst>
+              <a:ext uri="{FF2B5EF4-FFF2-40B4-BE49-F238E27FC236}">
+                <a16:creationId xmlns:a16="http://schemas.microsoft.com/office/drawing/2014/main" id="{A0649E77-2BBE-B8F9-3E52-1F9463E018C2}"/>
+              </a:ext>
+            </a:extLst>
+          </p:cNvPr>
+          <p:cNvSpPr/>
+          <p:nvPr/>
+        </p:nvSpPr>
+        <p:spPr>
+          <a:xfrm>
+            <a:off x="2924615" y="281735"/>
+            <a:ext cx="2160000" cy="2160000"/>
+          </a:xfrm>
+          <a:prstGeom prst="rect">
+            <a:avLst/>
+          </a:prstGeom>
+          <a:noFill/>
+          <a:ln>
+            <a:noFill/>
+          </a:ln>
+        </p:spPr>
+        <p:style>
+          <a:lnRef idx="2">
+            <a:schemeClr val="accent1">
+              <a:shade val="15000"/>
+            </a:schemeClr>
+          </a:lnRef>
+          <a:fillRef idx="1">
+            <a:schemeClr val="accent1"/>
+          </a:fillRef>
+          <a:effectRef idx="0">
+            <a:schemeClr val="accent1"/>
+          </a:effectRef>
+          <a:fontRef idx="minor">
+            <a:schemeClr val="lt1"/>
+          </a:fontRef>
+        </p:style>
+        <p:txBody>
+          <a:bodyPr rtlCol="0" anchor="ctr"/>
+          <a:lstStyle/>
+          <a:p>
+            <a:pPr algn="ctr"/>
+            <a:r>
+              <a:rPr lang="en-US" sz="3200">
+                <a:latin typeface="Source Sans Pro SemiBold" panose="020B0603030403020204" pitchFamily="34" charset="0"/>
+                <a:ea typeface="Source Sans Pro SemiBold" panose="020B0603030403020204" pitchFamily="34" charset="0"/>
+              </a:rPr>
+              <a:t>ITPS</a:t>
             </a:r>
             <a:endParaRPr lang="en-DE" sz="3200">
               <a:latin typeface="Source Sans Pro SemiBold" panose="020B0603030403020204" pitchFamily="34" charset="0"/>
@@ -4207,10 +4296,10 @@
       </p:grpSpPr>
       <p:pic>
         <p:nvPicPr>
-          <p:cNvPr id="6" name="Picture 5">
-            <a:extLst>
-              <a:ext uri="{FF2B5EF4-FFF2-40B4-BE49-F238E27FC236}">
-                <a16:creationId xmlns:a16="http://schemas.microsoft.com/office/drawing/2014/main" id="{31F0AA22-2EBA-71B8-FF7D-410ECCF20D3B}"/>
+          <p:cNvPr id="2" name="Picture 1">
+            <a:extLst>
+              <a:ext uri="{FF2B5EF4-FFF2-40B4-BE49-F238E27FC236}">
+                <a16:creationId xmlns:a16="http://schemas.microsoft.com/office/drawing/2014/main" id="{6599167F-795C-4866-8AAD-45712AE89059}"/>
               </a:ext>
             </a:extLst>
           </p:cNvPr>
@@ -4221,68 +4310,18 @@
         </p:nvPicPr>
         <p:blipFill>
           <a:blip r:embed="rId3"/>
-          <a:srcRect l="10677" t="1269" r="55041" b="64450"/>
           <a:stretch>
             <a:fillRect/>
           </a:stretch>
         </p:blipFill>
         <p:spPr>
           <a:xfrm>
-            <a:off x="2562665" y="79933"/>
-            <a:ext cx="2160000" cy="2160000"/>
+            <a:off x="1844198" y="26670"/>
+            <a:ext cx="6300788" cy="6300788"/>
           </a:xfrm>
-          <a:custGeom>
+          <a:prstGeom prst="rect">
             <a:avLst/>
-            <a:gdLst>
-              <a:gd name="connsiteX0" fmla="*/ 0 w 2160000"/>
-              <a:gd name="connsiteY0" fmla="*/ 0 h 2160000"/>
-              <a:gd name="connsiteX1" fmla="*/ 2160000 w 2160000"/>
-              <a:gd name="connsiteY1" fmla="*/ 0 h 2160000"/>
-              <a:gd name="connsiteX2" fmla="*/ 2160000 w 2160000"/>
-              <a:gd name="connsiteY2" fmla="*/ 2160000 h 2160000"/>
-              <a:gd name="connsiteX3" fmla="*/ 0 w 2160000"/>
-              <a:gd name="connsiteY3" fmla="*/ 2160000 h 2160000"/>
-            </a:gdLst>
-            <a:ahLst/>
-            <a:cxnLst>
-              <a:cxn ang="0">
-                <a:pos x="connsiteX0" y="connsiteY0"/>
-              </a:cxn>
-              <a:cxn ang="0">
-                <a:pos x="connsiteX1" y="connsiteY1"/>
-              </a:cxn>
-              <a:cxn ang="0">
-                <a:pos x="connsiteX2" y="connsiteY2"/>
-              </a:cxn>
-              <a:cxn ang="0">
-                <a:pos x="connsiteX3" y="connsiteY3"/>
-              </a:cxn>
-            </a:cxnLst>
-            <a:rect l="l" t="t" r="r" b="b"/>
-            <a:pathLst>
-              <a:path w="2160000" h="2160000">
-                <a:moveTo>
-                  <a:pt x="0" y="0"/>
-                </a:moveTo>
-                <a:lnTo>
-                  <a:pt x="2160000" y="0"/>
-                </a:lnTo>
-                <a:lnTo>
-                  <a:pt x="2160000" y="2160000"/>
-                </a:lnTo>
-                <a:lnTo>
-                  <a:pt x="0" y="2160000"/>
-                </a:lnTo>
-                <a:close/>
-              </a:path>
-            </a:pathLst>
-          </a:custGeom>
-          <a:solidFill>
-            <a:schemeClr val="accent1"/>
-          </a:solidFill>
-          <a:ln>
-            <a:noFill/>
-          </a:ln>
+          </a:prstGeom>
         </p:spPr>
       </p:pic>
       <p:sp>
@@ -4299,17 +4338,17 @@
         </p:nvSpPr>
         <p:spPr>
           <a:xfrm>
-            <a:off x="8591990" y="1159933"/>
+            <a:off x="5300150" y="60960"/>
             <a:ext cx="2160000" cy="2160000"/>
           </a:xfrm>
           <a:prstGeom prst="rect">
             <a:avLst/>
           </a:prstGeom>
-          <a:solidFill>
-            <a:schemeClr val="accent1"/>
-          </a:solidFill>
+          <a:noFill/>
           <a:ln>
-            <a:noFill/>
+            <a:solidFill>
+              <a:schemeClr val="accent1"/>
+            </a:solidFill>
           </a:ln>
         </p:spPr>
         <p:style>

--- a/scales/icons.pptx
+++ b/scales/icons.pptx
@@ -4204,6 +4204,462 @@
           </a:p>
         </p:txBody>
       </p:sp>
+      <p:pic>
+        <p:nvPicPr>
+          <p:cNvPr id="4" name="Picture 3">
+            <a:extLst>
+              <a:ext uri="{FF2B5EF4-FFF2-40B4-BE49-F238E27FC236}">
+                <a16:creationId xmlns:a16="http://schemas.microsoft.com/office/drawing/2014/main" id="{1C7BFC64-2F28-FB83-0C7F-03477CD64DBB}"/>
+              </a:ext>
+            </a:extLst>
+          </p:cNvPr>
+          <p:cNvPicPr>
+            <a:picLocks noChangeAspect="1"/>
+          </p:cNvPicPr>
+          <p:nvPr/>
+        </p:nvPicPr>
+        <p:blipFill>
+          <a:blip r:embed="rId4">
+            <a:duotone>
+              <a:schemeClr val="accent2">
+                <a:shade val="45000"/>
+                <a:satMod val="135000"/>
+              </a:schemeClr>
+              <a:prstClr val="white"/>
+            </a:duotone>
+          </a:blip>
+          <a:srcRect l="10842" t="32859" r="54876" b="32859"/>
+          <a:stretch>
+            <a:fillRect/>
+          </a:stretch>
+        </p:blipFill>
+        <p:spPr>
+          <a:xfrm>
+            <a:off x="5496523" y="281735"/>
+            <a:ext cx="2160000" cy="2160000"/>
+          </a:xfrm>
+          <a:custGeom>
+            <a:avLst/>
+            <a:gdLst>
+              <a:gd name="connsiteX0" fmla="*/ 0 w 2160000"/>
+              <a:gd name="connsiteY0" fmla="*/ 0 h 2160000"/>
+              <a:gd name="connsiteX1" fmla="*/ 2160000 w 2160000"/>
+              <a:gd name="connsiteY1" fmla="*/ 0 h 2160000"/>
+              <a:gd name="connsiteX2" fmla="*/ 2160000 w 2160000"/>
+              <a:gd name="connsiteY2" fmla="*/ 2160000 h 2160000"/>
+              <a:gd name="connsiteX3" fmla="*/ 0 w 2160000"/>
+              <a:gd name="connsiteY3" fmla="*/ 2160000 h 2160000"/>
+            </a:gdLst>
+            <a:ahLst/>
+            <a:cxnLst>
+              <a:cxn ang="0">
+                <a:pos x="connsiteX0" y="connsiteY0"/>
+              </a:cxn>
+              <a:cxn ang="0">
+                <a:pos x="connsiteX1" y="connsiteY1"/>
+              </a:cxn>
+              <a:cxn ang="0">
+                <a:pos x="connsiteX2" y="connsiteY2"/>
+              </a:cxn>
+              <a:cxn ang="0">
+                <a:pos x="connsiteX3" y="connsiteY3"/>
+              </a:cxn>
+            </a:cxnLst>
+            <a:rect l="l" t="t" r="r" b="b"/>
+            <a:pathLst>
+              <a:path w="2160000" h="2160000">
+                <a:moveTo>
+                  <a:pt x="0" y="0"/>
+                </a:moveTo>
+                <a:lnTo>
+                  <a:pt x="2160000" y="0"/>
+                </a:lnTo>
+                <a:lnTo>
+                  <a:pt x="2160000" y="2160000"/>
+                </a:lnTo>
+                <a:lnTo>
+                  <a:pt x="0" y="2160000"/>
+                </a:lnTo>
+                <a:close/>
+              </a:path>
+            </a:pathLst>
+          </a:custGeom>
+        </p:spPr>
+      </p:pic>
+      <p:sp>
+        <p:nvSpPr>
+          <p:cNvPr id="7" name="Rectangle 6">
+            <a:extLst>
+              <a:ext uri="{FF2B5EF4-FFF2-40B4-BE49-F238E27FC236}">
+                <a16:creationId xmlns:a16="http://schemas.microsoft.com/office/drawing/2014/main" id="{AACFE40B-A78E-86B0-2993-2A01763116B9}"/>
+              </a:ext>
+            </a:extLst>
+          </p:cNvPr>
+          <p:cNvSpPr/>
+          <p:nvPr/>
+        </p:nvSpPr>
+        <p:spPr>
+          <a:xfrm>
+            <a:off x="5496523" y="281735"/>
+            <a:ext cx="2160000" cy="2160000"/>
+          </a:xfrm>
+          <a:prstGeom prst="rect">
+            <a:avLst/>
+          </a:prstGeom>
+          <a:noFill/>
+          <a:ln>
+            <a:noFill/>
+          </a:ln>
+        </p:spPr>
+        <p:style>
+          <a:lnRef idx="2">
+            <a:schemeClr val="accent1">
+              <a:shade val="15000"/>
+            </a:schemeClr>
+          </a:lnRef>
+          <a:fillRef idx="1">
+            <a:schemeClr val="accent1"/>
+          </a:fillRef>
+          <a:effectRef idx="0">
+            <a:schemeClr val="accent1"/>
+          </a:effectRef>
+          <a:fontRef idx="minor">
+            <a:schemeClr val="lt1"/>
+          </a:fontRef>
+        </p:style>
+        <p:txBody>
+          <a:bodyPr rtlCol="0" anchor="ctr"/>
+          <a:lstStyle/>
+          <a:p>
+            <a:pPr algn="ctr"/>
+            <a:r>
+              <a:rPr lang="en-US" sz="3200">
+                <a:latin typeface="Source Sans Pro SemiBold" panose="020B0603030403020204" pitchFamily="34" charset="0"/>
+                <a:ea typeface="Source Sans Pro SemiBold" panose="020B0603030403020204" pitchFamily="34" charset="0"/>
+              </a:rPr>
+              <a:t>BOSS</a:t>
+            </a:r>
+            <a:endParaRPr lang="en-DE" sz="3200">
+              <a:latin typeface="Source Sans Pro SemiBold" panose="020B0603030403020204" pitchFamily="34" charset="0"/>
+              <a:ea typeface="Source Sans Pro SemiBold" panose="020B0603030403020204" pitchFamily="34" charset="0"/>
+            </a:endParaRPr>
+          </a:p>
+        </p:txBody>
+      </p:sp>
+      <p:pic>
+        <p:nvPicPr>
+          <p:cNvPr id="9" name="Picture 8">
+            <a:extLst>
+              <a:ext uri="{FF2B5EF4-FFF2-40B4-BE49-F238E27FC236}">
+                <a16:creationId xmlns:a16="http://schemas.microsoft.com/office/drawing/2014/main" id="{7B0A70BC-F301-4E5F-DAE0-EC5AD1236A18}"/>
+              </a:ext>
+            </a:extLst>
+          </p:cNvPr>
+          <p:cNvPicPr>
+            <a:picLocks noChangeAspect="1"/>
+          </p:cNvPicPr>
+          <p:nvPr/>
+        </p:nvPicPr>
+        <p:blipFill>
+          <a:blip r:embed="rId5">
+            <a:duotone>
+              <a:schemeClr val="accent6">
+                <a:shade val="45000"/>
+                <a:satMod val="135000"/>
+              </a:schemeClr>
+              <a:prstClr val="white"/>
+            </a:duotone>
+            <a:extLst>
+              <a:ext uri="{28A0092B-C50C-407E-A947-70E740481C1C}">
+                <a14:useLocalDpi xmlns:a14="http://schemas.microsoft.com/office/drawing/2010/main"/>
+              </a:ext>
+            </a:extLst>
+          </a:blip>
+          <a:srcRect/>
+          <a:stretch>
+            <a:fillRect/>
+          </a:stretch>
+        </p:blipFill>
+        <p:spPr>
+          <a:xfrm>
+            <a:off x="352707" y="2644208"/>
+            <a:ext cx="2160000" cy="2160000"/>
+          </a:xfrm>
+          <a:custGeom>
+            <a:avLst/>
+            <a:gdLst>
+              <a:gd name="connsiteX0" fmla="*/ 0 w 2160000"/>
+              <a:gd name="connsiteY0" fmla="*/ 0 h 2160000"/>
+              <a:gd name="connsiteX1" fmla="*/ 2160000 w 2160000"/>
+              <a:gd name="connsiteY1" fmla="*/ 0 h 2160000"/>
+              <a:gd name="connsiteX2" fmla="*/ 2160000 w 2160000"/>
+              <a:gd name="connsiteY2" fmla="*/ 2160000 h 2160000"/>
+              <a:gd name="connsiteX3" fmla="*/ 0 w 2160000"/>
+              <a:gd name="connsiteY3" fmla="*/ 2160000 h 2160000"/>
+            </a:gdLst>
+            <a:ahLst/>
+            <a:cxnLst>
+              <a:cxn ang="0">
+                <a:pos x="connsiteX0" y="connsiteY0"/>
+              </a:cxn>
+              <a:cxn ang="0">
+                <a:pos x="connsiteX1" y="connsiteY1"/>
+              </a:cxn>
+              <a:cxn ang="0">
+                <a:pos x="connsiteX2" y="connsiteY2"/>
+              </a:cxn>
+              <a:cxn ang="0">
+                <a:pos x="connsiteX3" y="connsiteY3"/>
+              </a:cxn>
+            </a:cxnLst>
+            <a:rect l="l" t="t" r="r" b="b"/>
+            <a:pathLst>
+              <a:path w="2160000" h="2160000">
+                <a:moveTo>
+                  <a:pt x="0" y="0"/>
+                </a:moveTo>
+                <a:lnTo>
+                  <a:pt x="2160000" y="0"/>
+                </a:lnTo>
+                <a:lnTo>
+                  <a:pt x="2160000" y="2160000"/>
+                </a:lnTo>
+                <a:lnTo>
+                  <a:pt x="0" y="2160000"/>
+                </a:lnTo>
+                <a:close/>
+              </a:path>
+            </a:pathLst>
+          </a:custGeom>
+        </p:spPr>
+      </p:pic>
+      <p:pic>
+        <p:nvPicPr>
+          <p:cNvPr id="11" name="Picture 10">
+            <a:extLst>
+              <a:ext uri="{FF2B5EF4-FFF2-40B4-BE49-F238E27FC236}">
+                <a16:creationId xmlns:a16="http://schemas.microsoft.com/office/drawing/2014/main" id="{38A97B38-7EFF-E52A-FF3A-DEE289CA7DE5}"/>
+              </a:ext>
+            </a:extLst>
+          </p:cNvPr>
+          <p:cNvPicPr>
+            <a:picLocks noChangeAspect="1"/>
+          </p:cNvPicPr>
+          <p:nvPr/>
+        </p:nvPicPr>
+        <p:blipFill>
+          <a:blip r:embed="rId6">
+            <a:duotone>
+              <a:schemeClr val="accent5">
+                <a:shade val="45000"/>
+                <a:satMod val="135000"/>
+              </a:schemeClr>
+              <a:prstClr val="white"/>
+            </a:duotone>
+            <a:extLst>
+              <a:ext uri="{28A0092B-C50C-407E-A947-70E740481C1C}">
+                <a14:useLocalDpi xmlns:a14="http://schemas.microsoft.com/office/drawing/2010/main"/>
+              </a:ext>
+            </a:extLst>
+          </a:blip>
+          <a:srcRect/>
+          <a:stretch>
+            <a:fillRect/>
+          </a:stretch>
+        </p:blipFill>
+        <p:spPr>
+          <a:xfrm>
+            <a:off x="2924615" y="2594135"/>
+            <a:ext cx="2160000" cy="2160000"/>
+          </a:xfrm>
+          <a:custGeom>
+            <a:avLst/>
+            <a:gdLst>
+              <a:gd name="connsiteX0" fmla="*/ 0 w 2160000"/>
+              <a:gd name="connsiteY0" fmla="*/ 0 h 2160000"/>
+              <a:gd name="connsiteX1" fmla="*/ 2160000 w 2160000"/>
+              <a:gd name="connsiteY1" fmla="*/ 0 h 2160000"/>
+              <a:gd name="connsiteX2" fmla="*/ 2160000 w 2160000"/>
+              <a:gd name="connsiteY2" fmla="*/ 2160000 h 2160000"/>
+              <a:gd name="connsiteX3" fmla="*/ 0 w 2160000"/>
+              <a:gd name="connsiteY3" fmla="*/ 2160000 h 2160000"/>
+            </a:gdLst>
+            <a:ahLst/>
+            <a:cxnLst>
+              <a:cxn ang="0">
+                <a:pos x="connsiteX0" y="connsiteY0"/>
+              </a:cxn>
+              <a:cxn ang="0">
+                <a:pos x="connsiteX1" y="connsiteY1"/>
+              </a:cxn>
+              <a:cxn ang="0">
+                <a:pos x="connsiteX2" y="connsiteY2"/>
+              </a:cxn>
+              <a:cxn ang="0">
+                <a:pos x="connsiteX3" y="connsiteY3"/>
+              </a:cxn>
+            </a:cxnLst>
+            <a:rect l="l" t="t" r="r" b="b"/>
+            <a:pathLst>
+              <a:path w="2160000" h="2160000">
+                <a:moveTo>
+                  <a:pt x="0" y="0"/>
+                </a:moveTo>
+                <a:lnTo>
+                  <a:pt x="2160000" y="0"/>
+                </a:lnTo>
+                <a:lnTo>
+                  <a:pt x="2160000" y="2160000"/>
+                </a:lnTo>
+                <a:lnTo>
+                  <a:pt x="0" y="2160000"/>
+                </a:lnTo>
+                <a:close/>
+              </a:path>
+            </a:pathLst>
+          </a:custGeom>
+        </p:spPr>
+      </p:pic>
+      <p:sp>
+        <p:nvSpPr>
+          <p:cNvPr id="12" name="Rectangle 11">
+            <a:extLst>
+              <a:ext uri="{FF2B5EF4-FFF2-40B4-BE49-F238E27FC236}">
+                <a16:creationId xmlns:a16="http://schemas.microsoft.com/office/drawing/2014/main" id="{5FDB77F8-CAF4-5B1B-E30F-2D95EB16C26C}"/>
+              </a:ext>
+            </a:extLst>
+          </p:cNvPr>
+          <p:cNvSpPr/>
+          <p:nvPr/>
+        </p:nvSpPr>
+        <p:spPr>
+          <a:xfrm>
+            <a:off x="352707" y="2644208"/>
+            <a:ext cx="2160000" cy="2160000"/>
+          </a:xfrm>
+          <a:prstGeom prst="rect">
+            <a:avLst/>
+          </a:prstGeom>
+          <a:noFill/>
+          <a:ln>
+            <a:noFill/>
+          </a:ln>
+        </p:spPr>
+        <p:style>
+          <a:lnRef idx="2">
+            <a:schemeClr val="accent1">
+              <a:shade val="15000"/>
+            </a:schemeClr>
+          </a:lnRef>
+          <a:fillRef idx="1">
+            <a:schemeClr val="accent1"/>
+          </a:fillRef>
+          <a:effectRef idx="0">
+            <a:schemeClr val="accent1"/>
+          </a:effectRef>
+          <a:fontRef idx="minor">
+            <a:schemeClr val="lt1"/>
+          </a:fontRef>
+        </p:style>
+        <p:txBody>
+          <a:bodyPr rtlCol="0" anchor="ctr"/>
+          <a:lstStyle/>
+          <a:p>
+            <a:pPr algn="ctr"/>
+            <a:r>
+              <a:rPr lang="en-US" sz="3200">
+                <a:latin typeface="Source Sans Pro SemiBold" panose="020B0603030403020204" pitchFamily="34" charset="0"/>
+                <a:ea typeface="Source Sans Pro SemiBold" panose="020B0603030403020204" pitchFamily="34" charset="0"/>
+              </a:rPr>
+              <a:t>VoPE</a:t>
+            </a:r>
+            <a:endParaRPr lang="en-DE" sz="3200">
+              <a:latin typeface="Source Sans Pro SemiBold" panose="020B0603030403020204" pitchFamily="34" charset="0"/>
+              <a:ea typeface="Source Sans Pro SemiBold" panose="020B0603030403020204" pitchFamily="34" charset="0"/>
+            </a:endParaRPr>
+          </a:p>
+        </p:txBody>
+      </p:sp>
+      <p:sp>
+        <p:nvSpPr>
+          <p:cNvPr id="13" name="Rectangle 12">
+            <a:extLst>
+              <a:ext uri="{FF2B5EF4-FFF2-40B4-BE49-F238E27FC236}">
+                <a16:creationId xmlns:a16="http://schemas.microsoft.com/office/drawing/2014/main" id="{447AEDBA-692E-BD99-F5CA-A2C5DF392BA1}"/>
+              </a:ext>
+            </a:extLst>
+          </p:cNvPr>
+          <p:cNvSpPr/>
+          <p:nvPr/>
+        </p:nvSpPr>
+        <p:spPr>
+          <a:xfrm>
+            <a:off x="2924615" y="2594135"/>
+            <a:ext cx="2160000" cy="2160000"/>
+          </a:xfrm>
+          <a:prstGeom prst="rect">
+            <a:avLst/>
+          </a:prstGeom>
+          <a:noFill/>
+          <a:ln>
+            <a:noFill/>
+          </a:ln>
+        </p:spPr>
+        <p:style>
+          <a:lnRef idx="2">
+            <a:schemeClr val="accent1">
+              <a:shade val="15000"/>
+            </a:schemeClr>
+          </a:lnRef>
+          <a:fillRef idx="1">
+            <a:schemeClr val="accent1"/>
+          </a:fillRef>
+          <a:effectRef idx="0">
+            <a:schemeClr val="accent1"/>
+          </a:effectRef>
+          <a:fontRef idx="minor">
+            <a:schemeClr val="lt1"/>
+          </a:fontRef>
+        </p:style>
+        <p:txBody>
+          <a:bodyPr rtlCol="0" anchor="ctr"/>
+          <a:lstStyle/>
+          <a:p>
+            <a:pPr algn="ctr"/>
+            <a:r>
+              <a:rPr lang="en-US" sz="3200">
+                <a:latin typeface="Source Sans Pro SemiBold" panose="020B0603030403020204" pitchFamily="34" charset="0"/>
+                <a:ea typeface="Source Sans Pro SemiBold" panose="020B0603030403020204" pitchFamily="34" charset="0"/>
+              </a:rPr>
+              <a:t>BAES</a:t>
+            </a:r>
+          </a:p>
+          <a:p>
+            <a:pPr algn="ctr"/>
+            <a:r>
+              <a:rPr lang="en-US">
+                <a:latin typeface="Source Sans Pro SemiBold" panose="020B0603030403020204" pitchFamily="34" charset="0"/>
+                <a:ea typeface="Source Sans Pro SemiBold" panose="020B0603030403020204" pitchFamily="34" charset="0"/>
+              </a:rPr>
+              <a:t>&amp;</a:t>
+            </a:r>
+          </a:p>
+          <a:p>
+            <a:pPr algn="ctr"/>
+            <a:r>
+              <a:rPr lang="en-US" sz="3200">
+                <a:latin typeface="Source Sans Pro SemiBold" panose="020B0603030403020204" pitchFamily="34" charset="0"/>
+                <a:ea typeface="Source Sans Pro SemiBold" panose="020B0603030403020204" pitchFamily="34" charset="0"/>
+              </a:rPr>
+              <a:t>DWBS</a:t>
+            </a:r>
+            <a:endParaRPr lang="en-DE" sz="3200">
+              <a:latin typeface="Source Sans Pro SemiBold" panose="020B0603030403020204" pitchFamily="34" charset="0"/>
+              <a:ea typeface="Source Sans Pro SemiBold" panose="020B0603030403020204" pitchFamily="34" charset="0"/>
+            </a:endParaRPr>
+          </a:p>
+        </p:txBody>
+      </p:sp>
     </p:spTree>
     <p:extLst>
       <p:ext uri="{BB962C8B-B14F-4D97-AF65-F5344CB8AC3E}">
@@ -4296,10 +4752,10 @@
       </p:grpSpPr>
       <p:pic>
         <p:nvPicPr>
-          <p:cNvPr id="2" name="Picture 1">
-            <a:extLst>
-              <a:ext uri="{FF2B5EF4-FFF2-40B4-BE49-F238E27FC236}">
-                <a16:creationId xmlns:a16="http://schemas.microsoft.com/office/drawing/2014/main" id="{6599167F-795C-4866-8AAD-45712AE89059}"/>
+          <p:cNvPr id="6" name="Picture 5">
+            <a:extLst>
+              <a:ext uri="{FF2B5EF4-FFF2-40B4-BE49-F238E27FC236}">
+                <a16:creationId xmlns:a16="http://schemas.microsoft.com/office/drawing/2014/main" id="{8DE66BDC-B692-7B7C-80F6-74A2B12BE446}"/>
               </a:ext>
             </a:extLst>
           </p:cNvPr>
@@ -4316,7 +4772,7 @@
         </p:blipFill>
         <p:spPr>
           <a:xfrm>
-            <a:off x="1844198" y="26670"/>
+            <a:off x="1736838" y="-248036"/>
             <a:ext cx="6300788" cy="6300788"/>
           </a:xfrm>
           <a:prstGeom prst="rect">
@@ -4326,10 +4782,10 @@
       </p:pic>
       <p:sp>
         <p:nvSpPr>
-          <p:cNvPr id="4" name="Rectangle 3">
-            <a:extLst>
-              <a:ext uri="{FF2B5EF4-FFF2-40B4-BE49-F238E27FC236}">
-                <a16:creationId xmlns:a16="http://schemas.microsoft.com/office/drawing/2014/main" id="{28A3C23A-028A-63C9-36CE-942E7BD7C98A}"/>
+          <p:cNvPr id="7" name="Rectangle 6">
+            <a:extLst>
+              <a:ext uri="{FF2B5EF4-FFF2-40B4-BE49-F238E27FC236}">
+                <a16:creationId xmlns:a16="http://schemas.microsoft.com/office/drawing/2014/main" id="{973B7E5D-0910-33EC-4500-76E2DED4D38D}"/>
               </a:ext>
             </a:extLst>
           </p:cNvPr>
@@ -4338,7 +4794,7 @@
         </p:nvSpPr>
         <p:spPr>
           <a:xfrm>
-            <a:off x="5300150" y="60960"/>
+            <a:off x="5190062" y="3810345"/>
             <a:ext cx="2160000" cy="2160000"/>
           </a:xfrm>
           <a:prstGeom prst="rect">

--- a/scales/icons.pptx
+++ b/scales/icons.pptx
@@ -5,12 +5,15 @@
     <p:sldMasterId id="2147483661" r:id="rId1"/>
   </p:sldMasterIdLst>
   <p:notesMasterIdLst>
-    <p:notesMasterId r:id="rId5"/>
+    <p:notesMasterId r:id="rId8"/>
   </p:notesMasterIdLst>
   <p:sldIdLst>
     <p:sldId id="301" r:id="rId2"/>
-    <p:sldId id="302" r:id="rId3"/>
-    <p:sldId id="304" r:id="rId4"/>
+    <p:sldId id="307" r:id="rId3"/>
+    <p:sldId id="302" r:id="rId4"/>
+    <p:sldId id="304" r:id="rId5"/>
+    <p:sldId id="305" r:id="rId6"/>
+    <p:sldId id="306" r:id="rId7"/>
   </p:sldIdLst>
   <p:sldSz cx="10080625" cy="6300788"/>
   <p:notesSz cx="7559675" cy="10691813"/>
@@ -548,7 +551,7 @@
           <a:p>
             <a:fld id="{0B0417A2-114C-414E-A918-AFA421C91928}" type="slidenum">
               <a:rPr lang="en-DE" smtClean="0"/>
-              <a:t>3</a:t>
+              <a:t>4</a:t>
             </a:fld>
             <a:endParaRPr lang="en-DE"/>
           </a:p>
@@ -4692,6 +4695,264 @@
       </p:grpSpPr>
       <p:pic>
         <p:nvPicPr>
+          <p:cNvPr id="2" name="Picture 1">
+            <a:extLst>
+              <a:ext uri="{FF2B5EF4-FFF2-40B4-BE49-F238E27FC236}">
+                <a16:creationId xmlns:a16="http://schemas.microsoft.com/office/drawing/2014/main" id="{6FF8324C-CFD6-38FC-6A75-2DD49DF1951D}"/>
+              </a:ext>
+            </a:extLst>
+          </p:cNvPr>
+          <p:cNvPicPr>
+            <a:picLocks noChangeAspect="1"/>
+          </p:cNvPicPr>
+          <p:nvPr/>
+        </p:nvPicPr>
+        <p:blipFill>
+          <a:blip r:embed="rId2">
+            <a:duotone>
+              <a:schemeClr val="accent2">
+                <a:shade val="45000"/>
+                <a:satMod val="135000"/>
+              </a:schemeClr>
+              <a:prstClr val="white"/>
+            </a:duotone>
+            <a:extLst>
+              <a:ext uri="{BEBA8EAE-BF5A-486C-A8C5-ECC9F3942E4B}">
+                <a14:imgProps xmlns:a14="http://schemas.microsoft.com/office/drawing/2010/main">
+                  <a14:imgLayer r:embed="rId3">
+                    <a14:imgEffect>
+                      <a14:artisticPencilSketch/>
+                    </a14:imgEffect>
+                  </a14:imgLayer>
+                </a14:imgProps>
+              </a:ext>
+              <a:ext uri="{28A0092B-C50C-407E-A947-70E740481C1C}">
+                <a14:useLocalDpi xmlns:a14="http://schemas.microsoft.com/office/drawing/2010/main"/>
+              </a:ext>
+            </a:extLst>
+          </a:blip>
+          <a:srcRect/>
+          <a:stretch>
+            <a:fillRect/>
+          </a:stretch>
+        </p:blipFill>
+        <p:spPr>
+          <a:xfrm>
+            <a:off x="6040773" y="899366"/>
+            <a:ext cx="3240000" cy="2520000"/>
+          </a:xfrm>
+          <a:custGeom>
+            <a:avLst/>
+            <a:gdLst>
+              <a:gd name="connsiteX0" fmla="*/ 0 w 3240000"/>
+              <a:gd name="connsiteY0" fmla="*/ 0 h 2520000"/>
+              <a:gd name="connsiteX1" fmla="*/ 3240000 w 3240000"/>
+              <a:gd name="connsiteY1" fmla="*/ 0 h 2520000"/>
+              <a:gd name="connsiteX2" fmla="*/ 3240000 w 3240000"/>
+              <a:gd name="connsiteY2" fmla="*/ 2520000 h 2520000"/>
+              <a:gd name="connsiteX3" fmla="*/ 0 w 3240000"/>
+              <a:gd name="connsiteY3" fmla="*/ 2520000 h 2520000"/>
+            </a:gdLst>
+            <a:ahLst/>
+            <a:cxnLst>
+              <a:cxn ang="0">
+                <a:pos x="connsiteX0" y="connsiteY0"/>
+              </a:cxn>
+              <a:cxn ang="0">
+                <a:pos x="connsiteX1" y="connsiteY1"/>
+              </a:cxn>
+              <a:cxn ang="0">
+                <a:pos x="connsiteX2" y="connsiteY2"/>
+              </a:cxn>
+              <a:cxn ang="0">
+                <a:pos x="connsiteX3" y="connsiteY3"/>
+              </a:cxn>
+            </a:cxnLst>
+            <a:rect l="l" t="t" r="r" b="b"/>
+            <a:pathLst>
+              <a:path w="3240000" h="2520000">
+                <a:moveTo>
+                  <a:pt x="0" y="0"/>
+                </a:moveTo>
+                <a:lnTo>
+                  <a:pt x="3240000" y="0"/>
+                </a:lnTo>
+                <a:lnTo>
+                  <a:pt x="3240000" y="2520000"/>
+                </a:lnTo>
+                <a:lnTo>
+                  <a:pt x="0" y="2520000"/>
+                </a:lnTo>
+                <a:close/>
+              </a:path>
+            </a:pathLst>
+          </a:custGeom>
+        </p:spPr>
+      </p:pic>
+      <p:sp>
+        <p:nvSpPr>
+          <p:cNvPr id="4" name="Rectangle 3">
+            <a:extLst>
+              <a:ext uri="{FF2B5EF4-FFF2-40B4-BE49-F238E27FC236}">
+                <a16:creationId xmlns:a16="http://schemas.microsoft.com/office/drawing/2014/main" id="{DAF933CF-DE25-CD09-2604-3FCDF966C514}"/>
+              </a:ext>
+            </a:extLst>
+          </p:cNvPr>
+          <p:cNvSpPr/>
+          <p:nvPr/>
+        </p:nvSpPr>
+        <p:spPr>
+          <a:xfrm>
+            <a:off x="33340" y="645055"/>
+            <a:ext cx="4831120" cy="2564600"/>
+          </a:xfrm>
+          <a:prstGeom prst="rect">
+            <a:avLst/>
+          </a:prstGeom>
+          <a:noFill/>
+          <a:ln>
+            <a:noFill/>
+          </a:ln>
+          <a:effectLst/>
+        </p:spPr>
+        <p:style>
+          <a:lnRef idx="2">
+            <a:schemeClr val="accent1">
+              <a:shade val="15000"/>
+            </a:schemeClr>
+          </a:lnRef>
+          <a:fillRef idx="1">
+            <a:schemeClr val="accent1"/>
+          </a:fillRef>
+          <a:effectRef idx="0">
+            <a:schemeClr val="accent1"/>
+          </a:effectRef>
+          <a:fontRef idx="minor">
+            <a:schemeClr val="lt1"/>
+          </a:fontRef>
+        </p:style>
+        <p:txBody>
+          <a:bodyPr rtlCol="0" anchor="ctr"/>
+          <a:lstStyle/>
+          <a:p>
+            <a:pPr algn="ctr"/>
+            <a:r>
+              <a:rPr lang="en-US" sz="7200" b="1">
+                <a:ln w="0"/>
+                <a:solidFill>
+                  <a:schemeClr val="tx1"/>
+                </a:solidFill>
+                <a:latin typeface="Source Sans Pro Black" panose="020B0803030403020204" pitchFamily="34" charset="0"/>
+                <a:ea typeface="Source Sans Pro Black" panose="020B0803030403020204" pitchFamily="34" charset="0"/>
+              </a:rPr>
+              <a:t>StartR</a:t>
+            </a:r>
+          </a:p>
+          <a:p>
+            <a:pPr algn="ctr"/>
+            <a:r>
+              <a:rPr lang="en-US" sz="7200" b="1">
+                <a:ln w="0"/>
+                <a:solidFill>
+                  <a:schemeClr val="tx1"/>
+                </a:solidFill>
+                <a:latin typeface="Source Sans Pro Black" panose="020B0803030403020204" pitchFamily="34" charset="0"/>
+                <a:ea typeface="Source Sans Pro Black" panose="020B0803030403020204" pitchFamily="34" charset="0"/>
+              </a:rPr>
+              <a:t>Workshop</a:t>
+            </a:r>
+            <a:endParaRPr lang="en-DE" sz="7200" b="1">
+              <a:ln w="0"/>
+              <a:solidFill>
+                <a:schemeClr val="tx1"/>
+              </a:solidFill>
+              <a:latin typeface="Source Sans Pro Black" panose="020B0803030403020204" pitchFamily="34" charset="0"/>
+              <a:ea typeface="Source Sans Pro Black" panose="020B0803030403020204" pitchFamily="34" charset="0"/>
+            </a:endParaRPr>
+          </a:p>
+        </p:txBody>
+      </p:sp>
+      <p:pic>
+        <p:nvPicPr>
+          <p:cNvPr id="8" name="Picture 7">
+            <a:extLst>
+              <a:ext uri="{FF2B5EF4-FFF2-40B4-BE49-F238E27FC236}">
+                <a16:creationId xmlns:a16="http://schemas.microsoft.com/office/drawing/2014/main" id="{F505CBDC-1027-CA59-293D-AC7568A6717D}"/>
+              </a:ext>
+            </a:extLst>
+          </p:cNvPr>
+          <p:cNvPicPr>
+            <a:picLocks noChangeAspect="1"/>
+          </p:cNvPicPr>
+          <p:nvPr/>
+        </p:nvPicPr>
+        <p:blipFill>
+          <a:blip r:embed="rId4">
+            <a:duotone>
+              <a:schemeClr val="accent2">
+                <a:shade val="45000"/>
+                <a:satMod val="135000"/>
+              </a:schemeClr>
+              <a:prstClr val="white"/>
+            </a:duotone>
+            <a:extLst>
+              <a:ext uri="{BEBA8EAE-BF5A-486C-A8C5-ECC9F3942E4B}">
+                <a14:imgProps xmlns:a14="http://schemas.microsoft.com/office/drawing/2010/main">
+                  <a14:imgLayer r:embed="rId5">
+                    <a14:imgEffect>
+                      <a14:artisticPencilSketch/>
+                    </a14:imgEffect>
+                  </a14:imgLayer>
+                </a14:imgProps>
+              </a:ext>
+            </a:extLst>
+          </a:blip>
+          <a:stretch>
+            <a:fillRect/>
+          </a:stretch>
+        </p:blipFill>
+        <p:spPr>
+          <a:xfrm>
+            <a:off x="6367126" y="1506723"/>
+            <a:ext cx="2173874" cy="1249411"/>
+          </a:xfrm>
+          <a:prstGeom prst="rect">
+            <a:avLst/>
+          </a:prstGeom>
+        </p:spPr>
+      </p:pic>
+    </p:spTree>
+    <p:extLst>
+      <p:ext uri="{BB962C8B-B14F-4D97-AF65-F5344CB8AC3E}">
+        <p14:creationId xmlns:p14="http://schemas.microsoft.com/office/powerpoint/2010/main" val="4193163667"/>
+      </p:ext>
+    </p:extLst>
+  </p:cSld>
+  <p:clrMapOvr>
+    <a:masterClrMapping/>
+  </p:clrMapOvr>
+</p:sld>
+</file>
+
+<file path=ppt/slides/slide3.xml><?xml version="1.0" encoding="utf-8"?>
+<p:sld xmlns:a="http://schemas.openxmlformats.org/drawingml/2006/main" xmlns:r="http://schemas.openxmlformats.org/officeDocument/2006/relationships" xmlns:p="http://schemas.openxmlformats.org/presentationml/2006/main">
+  <p:cSld>
+    <p:spTree>
+      <p:nvGrpSpPr>
+        <p:cNvPr id="1" name=""/>
+        <p:cNvGrpSpPr/>
+        <p:nvPr/>
+      </p:nvGrpSpPr>
+      <p:grpSpPr>
+        <a:xfrm>
+          <a:off x="0" y="0"/>
+          <a:ext cx="0" cy="0"/>
+          <a:chOff x="0" y="0"/>
+          <a:chExt cx="0" cy="0"/>
+        </a:xfrm>
+      </p:grpSpPr>
+      <p:pic>
+        <p:nvPicPr>
           <p:cNvPr id="3" name="Picture 2">
             <a:extLst>
               <a:ext uri="{FF2B5EF4-FFF2-40B4-BE49-F238E27FC236}">
@@ -4733,7 +4994,7 @@
 </p:sld>
 </file>
 
-<file path=ppt/slides/slide3.xml><?xml version="1.0" encoding="utf-8"?>
+<file path=ppt/slides/slide4.xml><?xml version="1.0" encoding="utf-8"?>
 <p:sld xmlns:a="http://schemas.openxmlformats.org/drawingml/2006/main" xmlns:r="http://schemas.openxmlformats.org/officeDocument/2006/relationships" xmlns:p="http://schemas.openxmlformats.org/presentationml/2006/main">
   <p:cSld>
     <p:spTree>
@@ -4836,6 +5097,178 @@
     <p:extLst>
       <p:ext uri="{BB962C8B-B14F-4D97-AF65-F5344CB8AC3E}">
         <p14:creationId xmlns:p14="http://schemas.microsoft.com/office/powerpoint/2010/main" val="2218288073"/>
+      </p:ext>
+    </p:extLst>
+  </p:cSld>
+  <p:clrMapOvr>
+    <a:masterClrMapping/>
+  </p:clrMapOvr>
+</p:sld>
+</file>
+
+<file path=ppt/slides/slide5.xml><?xml version="1.0" encoding="utf-8"?>
+<p:sld xmlns:a="http://schemas.openxmlformats.org/drawingml/2006/main" xmlns:r="http://schemas.openxmlformats.org/officeDocument/2006/relationships" xmlns:p="http://schemas.openxmlformats.org/presentationml/2006/main">
+  <p:cSld>
+    <p:spTree>
+      <p:nvGrpSpPr>
+        <p:cNvPr id="1" name=""/>
+        <p:cNvGrpSpPr/>
+        <p:nvPr/>
+      </p:nvGrpSpPr>
+      <p:grpSpPr>
+        <a:xfrm>
+          <a:off x="0" y="0"/>
+          <a:ext cx="0" cy="0"/>
+          <a:chOff x="0" y="0"/>
+          <a:chExt cx="0" cy="0"/>
+        </a:xfrm>
+      </p:grpSpPr>
+      <p:pic>
+        <p:nvPicPr>
+          <p:cNvPr id="5" name="Picture 4">
+            <a:extLst>
+              <a:ext uri="{FF2B5EF4-FFF2-40B4-BE49-F238E27FC236}">
+                <a16:creationId xmlns:a16="http://schemas.microsoft.com/office/drawing/2014/main" id="{0565BF21-4525-A841-F179-054680DDF586}"/>
+              </a:ext>
+            </a:extLst>
+          </p:cNvPr>
+          <p:cNvPicPr>
+            <a:picLocks noChangeAspect="1"/>
+          </p:cNvPicPr>
+          <p:nvPr/>
+        </p:nvPicPr>
+        <p:blipFill>
+          <a:blip r:embed="rId2"/>
+          <a:stretch>
+            <a:fillRect/>
+          </a:stretch>
+        </p:blipFill>
+        <p:spPr>
+          <a:xfrm>
+            <a:off x="1889918" y="0"/>
+            <a:ext cx="6300788" cy="6300788"/>
+          </a:xfrm>
+          <a:prstGeom prst="rect">
+            <a:avLst/>
+          </a:prstGeom>
+        </p:spPr>
+      </p:pic>
+    </p:spTree>
+    <p:extLst>
+      <p:ext uri="{BB962C8B-B14F-4D97-AF65-F5344CB8AC3E}">
+        <p14:creationId xmlns:p14="http://schemas.microsoft.com/office/powerpoint/2010/main" val="1688644120"/>
+      </p:ext>
+    </p:extLst>
+  </p:cSld>
+  <p:clrMapOvr>
+    <a:masterClrMapping/>
+  </p:clrMapOvr>
+</p:sld>
+</file>
+
+<file path=ppt/slides/slide6.xml><?xml version="1.0" encoding="utf-8"?>
+<p:sld xmlns:a="http://schemas.openxmlformats.org/drawingml/2006/main" xmlns:r="http://schemas.openxmlformats.org/officeDocument/2006/relationships" xmlns:p="http://schemas.openxmlformats.org/presentationml/2006/main">
+  <p:cSld>
+    <p:spTree>
+      <p:nvGrpSpPr>
+        <p:cNvPr id="1" name=""/>
+        <p:cNvGrpSpPr/>
+        <p:nvPr/>
+      </p:nvGrpSpPr>
+      <p:grpSpPr>
+        <a:xfrm>
+          <a:off x="0" y="0"/>
+          <a:ext cx="0" cy="0"/>
+          <a:chOff x="0" y="0"/>
+          <a:chExt cx="0" cy="0"/>
+        </a:xfrm>
+      </p:grpSpPr>
+      <p:pic>
+        <p:nvPicPr>
+          <p:cNvPr id="5" name="Picture 4">
+            <a:extLst>
+              <a:ext uri="{FF2B5EF4-FFF2-40B4-BE49-F238E27FC236}">
+                <a16:creationId xmlns:a16="http://schemas.microsoft.com/office/drawing/2014/main" id="{0565BF21-4525-A841-F179-054680DDF586}"/>
+              </a:ext>
+            </a:extLst>
+          </p:cNvPr>
+          <p:cNvPicPr>
+            <a:picLocks noChangeAspect="1"/>
+          </p:cNvPicPr>
+          <p:nvPr/>
+        </p:nvPicPr>
+        <p:blipFill>
+          <a:blip r:embed="rId2"/>
+          <a:stretch>
+            <a:fillRect/>
+          </a:stretch>
+        </p:blipFill>
+        <p:spPr>
+          <a:xfrm>
+            <a:off x="2037999" y="151783"/>
+            <a:ext cx="6300788" cy="6300788"/>
+          </a:xfrm>
+          <a:prstGeom prst="rect">
+            <a:avLst/>
+          </a:prstGeom>
+        </p:spPr>
+      </p:pic>
+      <p:sp>
+        <p:nvSpPr>
+          <p:cNvPr id="2" name="Rectangle 1">
+            <a:extLst>
+              <a:ext uri="{FF2B5EF4-FFF2-40B4-BE49-F238E27FC236}">
+                <a16:creationId xmlns:a16="http://schemas.microsoft.com/office/drawing/2014/main" id="{9E68C813-89E0-F0AD-5463-EF9DAF074623}"/>
+              </a:ext>
+            </a:extLst>
+          </p:cNvPr>
+          <p:cNvSpPr/>
+          <p:nvPr/>
+        </p:nvSpPr>
+        <p:spPr>
+          <a:xfrm>
+            <a:off x="2243251" y="519245"/>
+            <a:ext cx="3240000" cy="2520000"/>
+          </a:xfrm>
+          <a:prstGeom prst="rect">
+            <a:avLst/>
+          </a:prstGeom>
+          <a:noFill/>
+          <a:ln>
+            <a:solidFill>
+              <a:schemeClr val="accent1"/>
+            </a:solidFill>
+          </a:ln>
+        </p:spPr>
+        <p:style>
+          <a:lnRef idx="2">
+            <a:schemeClr val="accent1">
+              <a:shade val="15000"/>
+            </a:schemeClr>
+          </a:lnRef>
+          <a:fillRef idx="1">
+            <a:schemeClr val="accent1"/>
+          </a:fillRef>
+          <a:effectRef idx="0">
+            <a:schemeClr val="accent1"/>
+          </a:effectRef>
+          <a:fontRef idx="minor">
+            <a:schemeClr val="lt1"/>
+          </a:fontRef>
+        </p:style>
+        <p:txBody>
+          <a:bodyPr rtlCol="0" anchor="ctr"/>
+          <a:lstStyle/>
+          <a:p>
+            <a:pPr algn="ctr"/>
+            <a:endParaRPr lang="en-DE"/>
+          </a:p>
+        </p:txBody>
+      </p:sp>
+    </p:spTree>
+    <p:extLst>
+      <p:ext uri="{BB962C8B-B14F-4D97-AF65-F5344CB8AC3E}">
+        <p14:creationId xmlns:p14="http://schemas.microsoft.com/office/powerpoint/2010/main" val="988664618"/>
       </p:ext>
     </p:extLst>
   </p:cSld>

--- a/scales/icons.pptx
+++ b/scales/icons.pptx
@@ -214,7 +214,7 @@
           <a:p>
             <a:fld id="{9F570659-256E-4173-AB6C-775FC5360F5C}" type="datetimeFigureOut">
               <a:rPr lang="en-DE" smtClean="0"/>
-              <a:t>23/03/2024</a:t>
+              <a:t>30/07/2025</a:t>
             </a:fld>
             <a:endParaRPr lang="en-DE"/>
           </a:p>
@@ -719,7 +719,7 @@
           <a:p>
             <a:fld id="{EC3E2126-C11E-4FFE-80A2-78F158A73F3E}" type="datetimeFigureOut">
               <a:rPr lang="en-DE" smtClean="0"/>
-              <a:t>23/03/2024</a:t>
+              <a:t>30/07/2025</a:t>
             </a:fld>
             <a:endParaRPr lang="en-DE"/>
           </a:p>
@@ -919,7 +919,7 @@
           <a:p>
             <a:fld id="{EC3E2126-C11E-4FFE-80A2-78F158A73F3E}" type="datetimeFigureOut">
               <a:rPr lang="en-DE" smtClean="0"/>
-              <a:t>23/03/2024</a:t>
+              <a:t>30/07/2025</a:t>
             </a:fld>
             <a:endParaRPr lang="en-DE"/>
           </a:p>
@@ -1129,7 +1129,7 @@
           <a:p>
             <a:fld id="{EC3E2126-C11E-4FFE-80A2-78F158A73F3E}" type="datetimeFigureOut">
               <a:rPr lang="en-DE" smtClean="0"/>
-              <a:t>23/03/2024</a:t>
+              <a:t>30/07/2025</a:t>
             </a:fld>
             <a:endParaRPr lang="en-DE"/>
           </a:p>
@@ -1430,7 +1430,7 @@
           <a:p>
             <a:fld id="{EC3E2126-C11E-4FFE-80A2-78F158A73F3E}" type="datetimeFigureOut">
               <a:rPr lang="en-DE" smtClean="0"/>
-              <a:t>23/03/2024</a:t>
+              <a:t>30/07/2025</a:t>
             </a:fld>
             <a:endParaRPr lang="en-DE"/>
           </a:p>
@@ -1706,7 +1706,7 @@
           <a:p>
             <a:fld id="{EC3E2126-C11E-4FFE-80A2-78F158A73F3E}" type="datetimeFigureOut">
               <a:rPr lang="en-DE" smtClean="0"/>
-              <a:t>23/03/2024</a:t>
+              <a:t>30/07/2025</a:t>
             </a:fld>
             <a:endParaRPr lang="en-DE"/>
           </a:p>
@@ -1974,7 +1974,7 @@
           <a:p>
             <a:fld id="{EC3E2126-C11E-4FFE-80A2-78F158A73F3E}" type="datetimeFigureOut">
               <a:rPr lang="en-DE" smtClean="0"/>
-              <a:t>23/03/2024</a:t>
+              <a:t>30/07/2025</a:t>
             </a:fld>
             <a:endParaRPr lang="en-DE"/>
           </a:p>
@@ -2389,7 +2389,7 @@
           <a:p>
             <a:fld id="{EC3E2126-C11E-4FFE-80A2-78F158A73F3E}" type="datetimeFigureOut">
               <a:rPr lang="en-DE" smtClean="0"/>
-              <a:t>23/03/2024</a:t>
+              <a:t>30/07/2025</a:t>
             </a:fld>
             <a:endParaRPr lang="en-DE"/>
           </a:p>
@@ -2531,7 +2531,7 @@
           <a:p>
             <a:fld id="{EC3E2126-C11E-4FFE-80A2-78F158A73F3E}" type="datetimeFigureOut">
               <a:rPr lang="en-DE" smtClean="0"/>
-              <a:t>23/03/2024</a:t>
+              <a:t>30/07/2025</a:t>
             </a:fld>
             <a:endParaRPr lang="en-DE"/>
           </a:p>
@@ -2644,7 +2644,7 @@
           <a:p>
             <a:fld id="{EC3E2126-C11E-4FFE-80A2-78F158A73F3E}" type="datetimeFigureOut">
               <a:rPr lang="en-DE" smtClean="0"/>
-              <a:t>23/03/2024</a:t>
+              <a:t>30/07/2025</a:t>
             </a:fld>
             <a:endParaRPr lang="en-DE"/>
           </a:p>
@@ -2957,7 +2957,7 @@
           <a:p>
             <a:fld id="{EC3E2126-C11E-4FFE-80A2-78F158A73F3E}" type="datetimeFigureOut">
               <a:rPr lang="en-DE" smtClean="0"/>
-              <a:t>23/03/2024</a:t>
+              <a:t>30/07/2025</a:t>
             </a:fld>
             <a:endParaRPr lang="en-DE"/>
           </a:p>
@@ -3246,7 +3246,7 @@
           <a:p>
             <a:fld id="{EC3E2126-C11E-4FFE-80A2-78F158A73F3E}" type="datetimeFigureOut">
               <a:rPr lang="en-DE" smtClean="0"/>
-              <a:t>23/03/2024</a:t>
+              <a:t>30/07/2025</a:t>
             </a:fld>
             <a:endParaRPr lang="en-DE"/>
           </a:p>
@@ -3489,7 +3489,7 @@
           <a:p>
             <a:fld id="{EC3E2126-C11E-4FFE-80A2-78F158A73F3E}" type="datetimeFigureOut">
               <a:rPr lang="en-DE" smtClean="0"/>
-              <a:t>23/03/2024</a:t>
+              <a:t>30/07/2025</a:t>
             </a:fld>
             <a:endParaRPr lang="en-DE"/>
           </a:p>
@@ -4047,13 +4047,30 @@
           <a:p>
             <a:pPr algn="ctr"/>
             <a:r>
-              <a:rPr lang="en-US" sz="3200">
+              <a:rPr lang="en-US" sz="3200" b="1">
                 <a:latin typeface="Source Sans Pro SemiBold" panose="020B0603030403020204" pitchFamily="34" charset="0"/>
                 <a:ea typeface="Source Sans Pro SemiBold" panose="020B0603030403020204" pitchFamily="34" charset="0"/>
               </a:rPr>
               <a:t>AEQ-S</a:t>
             </a:r>
-            <a:endParaRPr lang="en-DE" sz="3200">
+          </a:p>
+          <a:p>
+            <a:pPr algn="ctr"/>
+            <a:endParaRPr lang="en-US" sz="1400">
+              <a:latin typeface="Source Sans Pro SemiBold" panose="020B0603030403020204" pitchFamily="34" charset="0"/>
+              <a:ea typeface="Source Sans Pro SemiBold" panose="020B0603030403020204" pitchFamily="34" charset="0"/>
+            </a:endParaRPr>
+          </a:p>
+          <a:p>
+            <a:pPr algn="ctr"/>
+            <a:r>
+              <a:rPr lang="en-US" sz="1400">
+                <a:latin typeface="Source Sans Pro SemiBold" panose="020B0603030403020204" pitchFamily="34" charset="0"/>
+                <a:ea typeface="Source Sans Pro SemiBold" panose="020B0603030403020204" pitchFamily="34" charset="0"/>
+              </a:rPr>
+              <a:t>Achievement Emotions Questionnaire Short </a:t>
+            </a:r>
+            <a:endParaRPr lang="en-DE" sz="1400">
               <a:latin typeface="Source Sans Pro SemiBold" panose="020B0603030403020204" pitchFamily="34" charset="0"/>
               <a:ea typeface="Source Sans Pro SemiBold" panose="020B0603030403020204" pitchFamily="34" charset="0"/>
             </a:endParaRPr>
@@ -4194,13 +4211,40 @@
           <a:p>
             <a:pPr algn="ctr"/>
             <a:r>
-              <a:rPr lang="en-US" sz="3200">
+              <a:rPr lang="en-US" sz="3200" b="1">
                 <a:latin typeface="Source Sans Pro SemiBold" panose="020B0603030403020204" pitchFamily="34" charset="0"/>
                 <a:ea typeface="Source Sans Pro SemiBold" panose="020B0603030403020204" pitchFamily="34" charset="0"/>
               </a:rPr>
               <a:t>ITPS</a:t>
             </a:r>
-            <a:endParaRPr lang="en-DE" sz="3200">
+          </a:p>
+          <a:p>
+            <a:pPr algn="ctr"/>
+            <a:endParaRPr lang="en-US" sz="1400">
+              <a:latin typeface="Source Sans Pro SemiBold" panose="020B0603030403020204" pitchFamily="34" charset="0"/>
+              <a:ea typeface="Source Sans Pro SemiBold" panose="020B0603030403020204" pitchFamily="34" charset="0"/>
+            </a:endParaRPr>
+          </a:p>
+          <a:p>
+            <a:pPr algn="ctr"/>
+            <a:r>
+              <a:rPr lang="en-US" sz="1400">
+                <a:latin typeface="Source Sans Pro SemiBold" panose="020B0603030403020204" pitchFamily="34" charset="0"/>
+                <a:ea typeface="Source Sans Pro SemiBold" panose="020B0603030403020204" pitchFamily="34" charset="0"/>
+              </a:rPr>
+              <a:t>If-Then </a:t>
+            </a:r>
+          </a:p>
+          <a:p>
+            <a:pPr algn="ctr"/>
+            <a:r>
+              <a:rPr lang="en-US" sz="1400">
+                <a:latin typeface="Source Sans Pro SemiBold" panose="020B0603030403020204" pitchFamily="34" charset="0"/>
+                <a:ea typeface="Source Sans Pro SemiBold" panose="020B0603030403020204" pitchFamily="34" charset="0"/>
+              </a:rPr>
+              <a:t>Planning Scale</a:t>
+            </a:r>
+            <a:endParaRPr lang="en-DE" sz="2000">
               <a:latin typeface="Source Sans Pro SemiBold" panose="020B0603030403020204" pitchFamily="34" charset="0"/>
               <a:ea typeface="Source Sans Pro SemiBold" panose="020B0603030403020204" pitchFamily="34" charset="0"/>
             </a:endParaRPr>
@@ -4342,7 +4386,24 @@
               </a:rPr>
               <a:t>BOSS</a:t>
             </a:r>
-            <a:endParaRPr lang="en-DE" sz="3200">
+          </a:p>
+          <a:p>
+            <a:pPr algn="ctr"/>
+            <a:endParaRPr lang="en-US" sz="1400">
+              <a:latin typeface="Source Sans Pro SemiBold" panose="020B0603030403020204" pitchFamily="34" charset="0"/>
+              <a:ea typeface="Source Sans Pro SemiBold" panose="020B0603030403020204" pitchFamily="34" charset="0"/>
+            </a:endParaRPr>
+          </a:p>
+          <a:p>
+            <a:pPr algn="ctr"/>
+            <a:r>
+              <a:rPr lang="en-US" sz="1400">
+                <a:latin typeface="Source Sans Pro SemiBold" panose="020B0603030403020204" pitchFamily="34" charset="0"/>
+                <a:ea typeface="Source Sans Pro SemiBold" panose="020B0603030403020204" pitchFamily="34" charset="0"/>
+              </a:rPr>
+              <a:t>Bored of Sports Scale</a:t>
+            </a:r>
+            <a:endParaRPr lang="en-DE" sz="1400">
               <a:latin typeface="Source Sans Pro SemiBold" panose="020B0603030403020204" pitchFamily="34" charset="0"/>
               <a:ea typeface="Source Sans Pro SemiBold" panose="020B0603030403020204" pitchFamily="34" charset="0"/>
             </a:endParaRPr>
@@ -4576,7 +4637,34 @@
               </a:rPr>
               <a:t>VoPE</a:t>
             </a:r>
-            <a:endParaRPr lang="en-DE" sz="3200">
+          </a:p>
+          <a:p>
+            <a:pPr algn="ctr"/>
+            <a:endParaRPr lang="en-US" sz="1400">
+              <a:latin typeface="Source Sans Pro SemiBold" panose="020B0603030403020204" pitchFamily="34" charset="0"/>
+              <a:ea typeface="Source Sans Pro SemiBold" panose="020B0603030403020204" pitchFamily="34" charset="0"/>
+            </a:endParaRPr>
+          </a:p>
+          <a:p>
+            <a:pPr algn="ctr"/>
+            <a:r>
+              <a:rPr lang="en-US" sz="1400">
+                <a:latin typeface="Source Sans Pro SemiBold" panose="020B0603030403020204" pitchFamily="34" charset="0"/>
+                <a:ea typeface="Source Sans Pro SemiBold" panose="020B0603030403020204" pitchFamily="34" charset="0"/>
+              </a:rPr>
+              <a:t>Value of Physical </a:t>
+            </a:r>
+          </a:p>
+          <a:p>
+            <a:pPr algn="ctr"/>
+            <a:r>
+              <a:rPr lang="en-US" sz="1400">
+                <a:latin typeface="Source Sans Pro SemiBold" panose="020B0603030403020204" pitchFamily="34" charset="0"/>
+                <a:ea typeface="Source Sans Pro SemiBold" panose="020B0603030403020204" pitchFamily="34" charset="0"/>
+              </a:rPr>
+              <a:t>Effort Scale</a:t>
+            </a:r>
+            <a:endParaRPr lang="en-DE" sz="1400">
               <a:latin typeface="Source Sans Pro SemiBold" panose="020B0603030403020204" pitchFamily="34" charset="0"/>
               <a:ea typeface="Source Sans Pro SemiBold" panose="020B0603030403020204" pitchFamily="34" charset="0"/>
             </a:endParaRPr>
